--- a/Interpreting-Decision-Rules.pptx
+++ b/Interpreting-Decision-Rules.pptx
@@ -12,7 +12,6 @@
     <p:sldId id="260" r:id="rId6"/>
     <p:sldId id="264" r:id="rId7"/>
     <p:sldId id="265" r:id="rId8"/>
-    <p:sldId id="263" r:id="rId9"/>
   </p:sldIdLst>
   <p:sldSz cx="12192000" cy="6858000"/>
   <p:notesSz cx="6858000" cy="9144000"/>
@@ -111,6 +110,11 @@
       </a:defRPr>
     </a:lvl9pPr>
   </p:defaultTextStyle>
+  <p:extLst>
+    <p:ext uri="{EFAFB233-063F-42B5-8137-9DF3F51BA10A}">
+      <p15:sldGuideLst xmlns:p15="http://schemas.microsoft.com/office/powerpoint/2012/main"/>
+    </p:ext>
+  </p:extLst>
 </p:presentation>
 </file>
 
@@ -2302,7 +2306,7 @@
             <a:fld id="{A5B0A250-5CC0-1746-B209-08E8B0DAE6AF}" type="datetimeFigureOut">
               <a:rPr lang="en-US" smtClean="0"/>
               <a:pPr algn="l"/>
-              <a:t>9/24/24</a:t>
+              <a:t>9/25/24</a:t>
             </a:fld>
             <a:endParaRPr lang="en-US" dirty="0"/>
           </a:p>
@@ -3764,7 +3768,7 @@
           <a:p>
             <a:fld id="{A5B0A250-5CC0-1746-B209-08E8B0DAE6AF}" type="datetimeFigureOut">
               <a:rPr lang="en-US" smtClean="0"/>
-              <a:t>9/24/24</a:t>
+              <a:t>9/25/24</a:t>
             </a:fld>
             <a:endParaRPr lang="en-US" dirty="0"/>
           </a:p>
@@ -4694,7 +4698,7 @@
           <a:p>
             <a:fld id="{A5B0A250-5CC0-1746-B209-08E8B0DAE6AF}" type="datetimeFigureOut">
               <a:rPr lang="en-US" smtClean="0"/>
-              <a:t>9/24/24</a:t>
+              <a:t>9/25/24</a:t>
             </a:fld>
             <a:endParaRPr lang="en-US"/>
           </a:p>
@@ -6151,7 +6155,7 @@
           <a:p>
             <a:fld id="{A5B0A250-5CC0-1746-B209-08E8B0DAE6AF}" type="datetimeFigureOut">
               <a:rPr lang="en-US" smtClean="0"/>
-              <a:t>9/24/24</a:t>
+              <a:t>9/25/24</a:t>
             </a:fld>
             <a:endParaRPr lang="en-US" dirty="0"/>
           </a:p>
@@ -8507,7 +8511,7 @@
           <a:p>
             <a:fld id="{A5B0A250-5CC0-1746-B209-08E8B0DAE6AF}" type="datetimeFigureOut">
               <a:rPr lang="en-US" smtClean="0"/>
-              <a:t>9/24/24</a:t>
+              <a:t>9/25/24</a:t>
             </a:fld>
             <a:endParaRPr lang="en-US" dirty="0"/>
           </a:p>
@@ -9548,7 +9552,7 @@
           <a:p>
             <a:fld id="{A5B0A250-5CC0-1746-B209-08E8B0DAE6AF}" type="datetimeFigureOut">
               <a:rPr lang="en-US" smtClean="0"/>
-              <a:t>9/24/24</a:t>
+              <a:t>9/25/24</a:t>
             </a:fld>
             <a:endParaRPr lang="en-US" dirty="0"/>
           </a:p>
@@ -10761,7 +10765,7 @@
           <a:p>
             <a:fld id="{A5B0A250-5CC0-1746-B209-08E8B0DAE6AF}" type="datetimeFigureOut">
               <a:rPr lang="en-US" smtClean="0"/>
-              <a:t>9/24/24</a:t>
+              <a:t>9/25/24</a:t>
             </a:fld>
             <a:endParaRPr lang="en-US" dirty="0"/>
           </a:p>
@@ -11670,7 +11674,7 @@
           <a:p>
             <a:fld id="{A5B0A250-5CC0-1746-B209-08E8B0DAE6AF}" type="datetimeFigureOut">
               <a:rPr lang="en-US" smtClean="0"/>
-              <a:t>9/24/24</a:t>
+              <a:t>9/25/24</a:t>
             </a:fld>
             <a:endParaRPr lang="en-US" dirty="0"/>
           </a:p>
@@ -11829,7 +11833,7 @@
             <a:fld id="{A5B0A250-5CC0-1746-B209-08E8B0DAE6AF}" type="datetimeFigureOut">
               <a:rPr lang="en-US" smtClean="0"/>
               <a:pPr/>
-              <a:t>9/24/24</a:t>
+              <a:t>9/25/24</a:t>
             </a:fld>
             <a:endParaRPr lang="en-US" dirty="0"/>
           </a:p>
@@ -12812,7 +12816,7 @@
           <a:p>
             <a:fld id="{A5B0A250-5CC0-1746-B209-08E8B0DAE6AF}" type="datetimeFigureOut">
               <a:rPr lang="en-US" smtClean="0"/>
-              <a:t>9/24/24</a:t>
+              <a:t>9/25/24</a:t>
             </a:fld>
             <a:endParaRPr lang="en-US" dirty="0"/>
           </a:p>
@@ -13874,7 +13878,7 @@
           <a:p>
             <a:fld id="{A5B0A250-5CC0-1746-B209-08E8B0DAE6AF}" type="datetimeFigureOut">
               <a:rPr lang="en-US" smtClean="0"/>
-              <a:t>9/24/24</a:t>
+              <a:t>9/25/24</a:t>
             </a:fld>
             <a:endParaRPr lang="en-US" dirty="0"/>
           </a:p>
@@ -14162,7 +14166,7 @@
             <a:fld id="{A5B0A250-5CC0-1746-B209-08E8B0DAE6AF}" type="datetimeFigureOut">
               <a:rPr lang="en-US" smtClean="0"/>
               <a:pPr/>
-              <a:t>9/24/24</a:t>
+              <a:t>9/25/24</a:t>
             </a:fld>
             <a:endParaRPr lang="en-US" dirty="0"/>
           </a:p>
@@ -14818,7 +14822,7 @@
             </a:pPr>
             <a:r>
               <a:rPr lang="en-US" dirty="0"/>
-              <a:t>CORRELS (Optimal Rule List)</a:t>
+              <a:t>CORELS (Optimal Rule List)</a:t>
             </a:r>
           </a:p>
           <a:p>
@@ -14842,7 +14846,7 @@
             </a:pPr>
             <a:r>
               <a:rPr lang="en-US" dirty="0"/>
-              <a:t>GOSDT (Decision Tree) </a:t>
+              <a:t>SLIPPER (Rule Set) </a:t>
             </a:r>
           </a:p>
         </p:txBody>
@@ -16663,86 +16667,6 @@
 </p:sld>
 </file>
 
-<file path=ppt/slides/slide8.xml><?xml version="1.0" encoding="utf-8"?>
-<p:sld xmlns:a="http://schemas.openxmlformats.org/drawingml/2006/main" xmlns:r="http://schemas.openxmlformats.org/officeDocument/2006/relationships" xmlns:p="http://schemas.openxmlformats.org/presentationml/2006/main">
-  <p:cSld>
-    <p:spTree>
-      <p:nvGrpSpPr>
-        <p:cNvPr id="1" name=""/>
-        <p:cNvGrpSpPr/>
-        <p:nvPr/>
-      </p:nvGrpSpPr>
-      <p:grpSpPr>
-        <a:xfrm>
-          <a:off x="0" y="0"/>
-          <a:ext cx="0" cy="0"/>
-          <a:chOff x="0" y="0"/>
-          <a:chExt cx="0" cy="0"/>
-        </a:xfrm>
-      </p:grpSpPr>
-      <p:sp>
-        <p:nvSpPr>
-          <p:cNvPr id="2" name="Title 1">
-            <a:extLst>
-              <a:ext uri="{FF2B5EF4-FFF2-40B4-BE49-F238E27FC236}">
-                <a16:creationId xmlns:a16="http://schemas.microsoft.com/office/drawing/2014/main" id="{8BDAC412-DFA4-A6AE-CDC1-29FBFBEAC2B9}"/>
-              </a:ext>
-            </a:extLst>
-          </p:cNvPr>
-          <p:cNvSpPr>
-            <a:spLocks noGrp="1"/>
-          </p:cNvSpPr>
-          <p:nvPr>
-            <p:ph type="title"/>
-          </p:nvPr>
-        </p:nvSpPr>
-        <p:spPr/>
-        <p:txBody>
-          <a:bodyPr/>
-          <a:lstStyle/>
-          <a:p>
-            <a:endParaRPr lang="en-US"/>
-          </a:p>
-        </p:txBody>
-      </p:sp>
-      <p:sp>
-        <p:nvSpPr>
-          <p:cNvPr id="3" name="Content Placeholder 2">
-            <a:extLst>
-              <a:ext uri="{FF2B5EF4-FFF2-40B4-BE49-F238E27FC236}">
-                <a16:creationId xmlns:a16="http://schemas.microsoft.com/office/drawing/2014/main" id="{AEBA75D0-56FA-780A-02F0-94651BFAF411}"/>
-              </a:ext>
-            </a:extLst>
-          </p:cNvPr>
-          <p:cNvSpPr>
-            <a:spLocks noGrp="1"/>
-          </p:cNvSpPr>
-          <p:nvPr>
-            <p:ph idx="1"/>
-          </p:nvPr>
-        </p:nvSpPr>
-        <p:spPr/>
-        <p:txBody>
-          <a:bodyPr/>
-          <a:lstStyle/>
-          <a:p>
-            <a:endParaRPr lang="en-US" dirty="0"/>
-          </a:p>
-        </p:txBody>
-      </p:sp>
-    </p:spTree>
-    <p:extLst>
-      <p:ext uri="{BB962C8B-B14F-4D97-AF65-F5344CB8AC3E}">
-        <p14:creationId xmlns:p14="http://schemas.microsoft.com/office/powerpoint/2010/main" val="2607598917"/>
-      </p:ext>
-    </p:extLst>
-  </p:cSld>
-  <p:clrMapOvr>
-    <a:masterClrMapping/>
-  </p:clrMapOvr>
-</p:sld>
-</file>
-
 <file path=ppt/theme/theme1.xml><?xml version="1.0" encoding="utf-8"?>
 <a:theme xmlns:a="http://schemas.openxmlformats.org/drawingml/2006/main" name="PunchcardVTI">
   <a:themeElements>
